--- a/slides.pptx
+++ b/slides.pptx
@@ -8,10 +8,10 @@
     <p:sldMasterId id="2147483683" r:id="rId4"/>
   </p:sldMasterIdLst>
   <p:notesMasterIdLst>
-    <p:notesMasterId r:id="rId59"/>
+    <p:notesMasterId r:id="rId63"/>
   </p:notesMasterIdLst>
   <p:handoutMasterIdLst>
-    <p:handoutMasterId r:id="rId60"/>
+    <p:handoutMasterId r:id="rId64"/>
   </p:handoutMasterIdLst>
   <p:sldIdLst>
     <p:sldId id="264" r:id="rId5"/>
@@ -68,6 +68,10 @@
     <p:sldId id="384" r:id="rId56"/>
     <p:sldId id="352" r:id="rId57"/>
     <p:sldId id="383" r:id="rId58"/>
+    <p:sldId id="391" r:id="rId59"/>
+    <p:sldId id="389" r:id="rId60"/>
+    <p:sldId id="392" r:id="rId61"/>
+    <p:sldId id="390" r:id="rId62"/>
   </p:sldIdLst>
   <p:sldSz cx="9144000" cy="6858000" type="screen4x3"/>
   <p:notesSz cx="6858000" cy="9144000"/>
@@ -239,6 +243,14 @@
             <p14:sldId id="383"/>
           </p14:sldIdLst>
         </p14:section>
+        <p14:section name="Modern Javascript" id="{E4C111C1-9C91-4BBF-A745-9BB1B2DE9D53}">
+          <p14:sldIdLst>
+            <p14:sldId id="391"/>
+            <p14:sldId id="389"/>
+            <p14:sldId id="392"/>
+            <p14:sldId id="390"/>
+          </p14:sldIdLst>
+        </p14:section>
       </p14:sectionLst>
     </p:ext>
     <p:ext uri="{EFAFB233-063F-42B5-8137-9DF3F51BA10A}">
@@ -1057,6 +1069,72 @@
 </p:notes>
 </file>
 
+<file path=ppt/notesSlides/notesSlide6.xml><?xml version="1.0" encoding="utf-8"?>
+<p:notes xmlns:a="http://schemas.openxmlformats.org/drawingml/2006/main" xmlns:r="http://schemas.openxmlformats.org/officeDocument/2006/relationships" xmlns:p="http://schemas.openxmlformats.org/presentationml/2006/main">
+  <p:cSld>
+    <p:spTree>
+      <p:nvGrpSpPr>
+        <p:cNvPr id="1" name=""/>
+        <p:cNvGrpSpPr/>
+        <p:nvPr/>
+      </p:nvGrpSpPr>
+      <p:grpSpPr>
+        <a:xfrm>
+          <a:off x="0" y="0"/>
+          <a:ext cx="0" cy="0"/>
+          <a:chOff x="0" y="0"/>
+          <a:chExt cx="0" cy="0"/>
+        </a:xfrm>
+      </p:grpSpPr>
+      <p:sp>
+        <p:nvSpPr>
+          <p:cNvPr id="2" name="Tijdelijke aanduiding voor dia-afbeelding 1"/>
+          <p:cNvSpPr>
+            <a:spLocks noGrp="1" noRot="1" noChangeAspect="1"/>
+          </p:cNvSpPr>
+          <p:nvPr>
+            <p:ph type="sldImg"/>
+          </p:nvPr>
+        </p:nvSpPr>
+        <p:spPr>
+          <a:xfrm>
+            <a:off x="1074738" y="560388"/>
+            <a:ext cx="4945062" cy="3708400"/>
+          </a:xfrm>
+        </p:spPr>
+      </p:sp>
+      <p:sp>
+        <p:nvSpPr>
+          <p:cNvPr id="3" name="Tijdelijke aanduiding voor notities 2"/>
+          <p:cNvSpPr>
+            <a:spLocks noGrp="1"/>
+          </p:cNvSpPr>
+          <p:nvPr>
+            <p:ph type="body" idx="1"/>
+          </p:nvPr>
+        </p:nvSpPr>
+        <p:spPr/>
+        <p:txBody>
+          <a:bodyPr/>
+          <a:lstStyle/>
+          <a:p>
+            <a:endParaRPr lang="nl-NL" dirty="0"/>
+          </a:p>
+        </p:txBody>
+      </p:sp>
+    </p:spTree>
+    <p:extLst>
+      <p:ext uri="{BB962C8B-B14F-4D97-AF65-F5344CB8AC3E}">
+        <p14:creationId xmlns:p14="http://schemas.microsoft.com/office/powerpoint/2010/main" val="2013913543"/>
+      </p:ext>
+    </p:extLst>
+  </p:cSld>
+  <p:clrMapOvr>
+    <a:masterClrMapping/>
+  </p:clrMapOvr>
+</p:notes>
+</file>
+
 <file path=ppt/slideLayouts/slideLayout1.xml><?xml version="1.0" encoding="utf-8"?>
 <p:sldLayout xmlns:a="http://schemas.openxmlformats.org/drawingml/2006/main" xmlns:r="http://schemas.openxmlformats.org/officeDocument/2006/relationships" xmlns:p="http://schemas.openxmlformats.org/presentationml/2006/main" type="obj" preserve="1">
   <p:cSld name="1_Titel en object">
@@ -3989,7 +4067,7 @@
             <a:fld id="{A96DFD0C-4F3B-489E-A4A8-2F1258B6720D}" type="datetimeFigureOut">
               <a:rPr lang="nl-NL" smtClean="0"/>
               <a:pPr/>
-              <a:t>03-04-2022</a:t>
+              <a:t>3-4-2022</a:t>
             </a:fld>
             <a:endParaRPr lang="nl-NL"/>
           </a:p>
@@ -14910,39 +14988,52 @@
           <a:lstStyle/>
           <a:p>
             <a:r>
-              <a:rPr lang="nl-NL"/>
+              <a:rPr lang="nl-NL" dirty="0"/>
               <a:t>Front-end development: HTML5, CSS3 en Javascript</a:t>
             </a:r>
           </a:p>
           <a:p>
-            <a:endParaRPr lang="nl-NL"/>
-          </a:p>
-          <a:p>
-            <a:r>
-              <a:rPr lang="nl-NL"/>
-              <a:t>IDE of smart editor: Notepad++</a:t>
-            </a:r>
-          </a:p>
-          <a:p>
-            <a:endParaRPr lang="nl-NL"/>
-          </a:p>
-          <a:p>
-            <a:r>
-              <a:rPr lang="nl-NL"/>
+            <a:endParaRPr lang="nl-NL" dirty="0"/>
+          </a:p>
+          <a:p>
+            <a:r>
+              <a:rPr lang="nl-NL" dirty="0"/>
+              <a:t>IDE of smart editor: </a:t>
+            </a:r>
+            <a:r>
+              <a:rPr lang="nl-NL" dirty="0" err="1"/>
+              <a:t>Notepad</a:t>
+            </a:r>
+            <a:r>
+              <a:rPr lang="nl-NL" dirty="0"/>
+              <a:t>++</a:t>
+            </a:r>
+          </a:p>
+          <a:p>
+            <a:endParaRPr lang="nl-NL" dirty="0"/>
+          </a:p>
+          <a:p>
+            <a:r>
+              <a:rPr lang="nl-NL" dirty="0"/>
               <a:t>Moderne browser: Firefox of Opera</a:t>
             </a:r>
           </a:p>
           <a:p>
-            <a:endParaRPr lang="nl-NL"/>
-          </a:p>
-          <a:p>
-            <a:r>
-              <a:rPr lang="nl-NL"/>
-              <a:t>Browser compatibility</a:t>
-            </a:r>
-          </a:p>
-          <a:p>
-            <a:endParaRPr lang="nl-NL"/>
+            <a:endParaRPr lang="nl-NL" dirty="0"/>
+          </a:p>
+          <a:p>
+            <a:r>
+              <a:rPr lang="nl-NL" dirty="0"/>
+              <a:t>Browser </a:t>
+            </a:r>
+            <a:r>
+              <a:rPr lang="nl-NL" dirty="0" err="1"/>
+              <a:t>compatibility</a:t>
+            </a:r>
+            <a:endParaRPr lang="nl-NL" dirty="0"/>
+          </a:p>
+          <a:p>
+            <a:endParaRPr lang="nl-NL" dirty="0"/>
           </a:p>
         </p:txBody>
       </p:sp>
@@ -22055,6 +22146,2249 @@
     <p:extLst>
       <p:ext uri="{BB962C8B-B14F-4D97-AF65-F5344CB8AC3E}">
         <p14:creationId xmlns:p14="http://schemas.microsoft.com/office/powerpoint/2010/main" val="503960328"/>
+      </p:ext>
+    </p:extLst>
+  </p:cSld>
+  <p:clrMapOvr>
+    <a:masterClrMapping/>
+  </p:clrMapOvr>
+</p:sld>
+</file>
+
+<file path=ppt/slides/slide55.xml><?xml version="1.0" encoding="utf-8"?>
+<p:sld xmlns:a="http://schemas.openxmlformats.org/drawingml/2006/main" xmlns:r="http://schemas.openxmlformats.org/officeDocument/2006/relationships" xmlns:p="http://schemas.openxmlformats.org/presentationml/2006/main">
+  <p:cSld>
+    <p:spTree>
+      <p:nvGrpSpPr>
+        <p:cNvPr id="1" name=""/>
+        <p:cNvGrpSpPr/>
+        <p:nvPr/>
+      </p:nvGrpSpPr>
+      <p:grpSpPr>
+        <a:xfrm>
+          <a:off x="0" y="0"/>
+          <a:ext cx="0" cy="0"/>
+          <a:chOff x="0" y="0"/>
+          <a:chExt cx="0" cy="0"/>
+        </a:xfrm>
+      </p:grpSpPr>
+      <p:sp>
+        <p:nvSpPr>
+          <p:cNvPr id="2" name="Titel 1">
+            <a:extLst>
+              <a:ext uri="{FF2B5EF4-FFF2-40B4-BE49-F238E27FC236}">
+                <a16:creationId xmlns:a16="http://schemas.microsoft.com/office/drawing/2014/main" id="{D3278A51-E76C-4835-BEA7-94E17B5F58E7}"/>
+              </a:ext>
+            </a:extLst>
+          </p:cNvPr>
+          <p:cNvSpPr>
+            <a:spLocks noGrp="1"/>
+          </p:cNvSpPr>
+          <p:nvPr>
+            <p:ph type="title"/>
+          </p:nvPr>
+        </p:nvSpPr>
+        <p:spPr/>
+        <p:txBody>
+          <a:bodyPr/>
+          <a:lstStyle/>
+          <a:p>
+            <a:r>
+              <a:rPr lang="nl-NL" dirty="0"/>
+              <a:t>Historie</a:t>
+            </a:r>
+          </a:p>
+        </p:txBody>
+      </p:sp>
+      <p:sp>
+        <p:nvSpPr>
+          <p:cNvPr id="3" name="Tijdelijke aanduiding voor inhoud 2">
+            <a:extLst>
+              <a:ext uri="{FF2B5EF4-FFF2-40B4-BE49-F238E27FC236}">
+                <a16:creationId xmlns:a16="http://schemas.microsoft.com/office/drawing/2014/main" id="{DCF7EF6D-E886-428A-BD0B-F847A831E341}"/>
+              </a:ext>
+            </a:extLst>
+          </p:cNvPr>
+          <p:cNvSpPr>
+            <a:spLocks noGrp="1"/>
+          </p:cNvSpPr>
+          <p:nvPr>
+            <p:ph idx="1"/>
+          </p:nvPr>
+        </p:nvSpPr>
+        <p:spPr>
+          <a:xfrm>
+            <a:off x="628650" y="1690688"/>
+            <a:ext cx="7886700" cy="4953951"/>
+          </a:xfrm>
+        </p:spPr>
+        <p:txBody>
+          <a:bodyPr/>
+          <a:lstStyle/>
+          <a:p>
+            <a:pPr algn="l">
+              <a:buFont typeface="Arial" panose="020B0604020202020204" pitchFamily="34" charset="0"/>
+              <a:buChar char="•"/>
+            </a:pPr>
+            <a:r>
+              <a:rPr lang="nl-NL" sz="1600" b="0" i="0" dirty="0" err="1">
+                <a:solidFill>
+                  <a:srgbClr val="212529"/>
+                </a:solidFill>
+                <a:effectLst/>
+                <a:latin typeface="-apple-system"/>
+              </a:rPr>
+              <a:t>ECMAScript</a:t>
+            </a:r>
+            <a:r>
+              <a:rPr lang="nl-NL" sz="1600" b="0" i="0" dirty="0">
+                <a:solidFill>
+                  <a:srgbClr val="212529"/>
+                </a:solidFill>
+                <a:effectLst/>
+                <a:latin typeface="-apple-system"/>
+              </a:rPr>
+              <a:t> 1 or ES1 .- </a:t>
+            </a:r>
+            <a:r>
+              <a:rPr lang="nl-NL" sz="1600" b="0" i="0" dirty="0" err="1">
+                <a:solidFill>
+                  <a:srgbClr val="212529"/>
+                </a:solidFill>
+                <a:effectLst/>
+                <a:latin typeface="-apple-system"/>
+              </a:rPr>
+              <a:t>Released</a:t>
+            </a:r>
+            <a:r>
+              <a:rPr lang="nl-NL" sz="1600" b="0" i="0" dirty="0">
+                <a:solidFill>
+                  <a:srgbClr val="212529"/>
+                </a:solidFill>
+                <a:effectLst/>
+                <a:latin typeface="-apple-system"/>
+              </a:rPr>
+              <a:t> in </a:t>
+            </a:r>
+            <a:r>
+              <a:rPr lang="nl-NL" sz="1600" b="0" i="0" dirty="0" err="1">
+                <a:solidFill>
+                  <a:srgbClr val="212529"/>
+                </a:solidFill>
+                <a:effectLst/>
+                <a:latin typeface="-apple-system"/>
+              </a:rPr>
+              <a:t>June</a:t>
+            </a:r>
+            <a:r>
+              <a:rPr lang="nl-NL" sz="1600" b="0" i="0" dirty="0">
+                <a:solidFill>
+                  <a:srgbClr val="212529"/>
+                </a:solidFill>
+                <a:effectLst/>
+                <a:latin typeface="-apple-system"/>
+              </a:rPr>
+              <a:t> 1997.</a:t>
+            </a:r>
+          </a:p>
+          <a:p>
+            <a:pPr algn="l">
+              <a:buFont typeface="Arial" panose="020B0604020202020204" pitchFamily="34" charset="0"/>
+              <a:buChar char="•"/>
+            </a:pPr>
+            <a:r>
+              <a:rPr lang="nl-NL" sz="1600" b="0" i="0" dirty="0" err="1">
+                <a:solidFill>
+                  <a:srgbClr val="212529"/>
+                </a:solidFill>
+                <a:effectLst/>
+                <a:latin typeface="-apple-system"/>
+              </a:rPr>
+              <a:t>ECMAScript</a:t>
+            </a:r>
+            <a:r>
+              <a:rPr lang="nl-NL" sz="1600" b="0" i="0" dirty="0">
+                <a:solidFill>
+                  <a:srgbClr val="212529"/>
+                </a:solidFill>
+                <a:effectLst/>
+                <a:latin typeface="-apple-system"/>
+              </a:rPr>
+              <a:t> 2 or ES2 .- </a:t>
+            </a:r>
+            <a:r>
+              <a:rPr lang="nl-NL" sz="1600" b="0" i="0" dirty="0" err="1">
+                <a:solidFill>
+                  <a:srgbClr val="212529"/>
+                </a:solidFill>
+                <a:effectLst/>
+                <a:latin typeface="-apple-system"/>
+              </a:rPr>
+              <a:t>Released</a:t>
+            </a:r>
+            <a:r>
+              <a:rPr lang="nl-NL" sz="1600" b="0" i="0" dirty="0">
+                <a:solidFill>
+                  <a:srgbClr val="212529"/>
+                </a:solidFill>
+                <a:effectLst/>
+                <a:latin typeface="-apple-system"/>
+              </a:rPr>
+              <a:t> in </a:t>
+            </a:r>
+            <a:r>
+              <a:rPr lang="nl-NL" sz="1600" b="0" i="0" dirty="0" err="1">
+                <a:solidFill>
+                  <a:srgbClr val="212529"/>
+                </a:solidFill>
+                <a:effectLst/>
+                <a:latin typeface="-apple-system"/>
+              </a:rPr>
+              <a:t>June</a:t>
+            </a:r>
+            <a:r>
+              <a:rPr lang="nl-NL" sz="1600" b="0" i="0" dirty="0">
+                <a:solidFill>
+                  <a:srgbClr val="212529"/>
+                </a:solidFill>
+                <a:effectLst/>
+                <a:latin typeface="-apple-system"/>
+              </a:rPr>
+              <a:t> 1998.</a:t>
+            </a:r>
+          </a:p>
+          <a:p>
+            <a:pPr algn="l">
+              <a:buFont typeface="Arial" panose="020B0604020202020204" pitchFamily="34" charset="0"/>
+              <a:buChar char="•"/>
+            </a:pPr>
+            <a:r>
+              <a:rPr lang="nl-NL" sz="1600" b="0" i="0" dirty="0" err="1">
+                <a:solidFill>
+                  <a:srgbClr val="212529"/>
+                </a:solidFill>
+                <a:effectLst/>
+                <a:latin typeface="-apple-system"/>
+              </a:rPr>
+              <a:t>ECMAScript</a:t>
+            </a:r>
+            <a:r>
+              <a:rPr lang="nl-NL" sz="1600" b="0" i="0" dirty="0">
+                <a:solidFill>
+                  <a:srgbClr val="212529"/>
+                </a:solidFill>
+                <a:effectLst/>
+                <a:latin typeface="-apple-system"/>
+              </a:rPr>
+              <a:t> 3 or ES3 .- </a:t>
+            </a:r>
+            <a:r>
+              <a:rPr lang="nl-NL" sz="1600" b="0" i="0" dirty="0" err="1">
+                <a:solidFill>
+                  <a:srgbClr val="212529"/>
+                </a:solidFill>
+                <a:effectLst/>
+                <a:latin typeface="-apple-system"/>
+              </a:rPr>
+              <a:t>Released</a:t>
+            </a:r>
+            <a:r>
+              <a:rPr lang="nl-NL" sz="1600" b="0" i="0" dirty="0">
+                <a:solidFill>
+                  <a:srgbClr val="212529"/>
+                </a:solidFill>
+                <a:effectLst/>
+                <a:latin typeface="-apple-system"/>
+              </a:rPr>
+              <a:t> in December 1999.</a:t>
+            </a:r>
+          </a:p>
+          <a:p>
+            <a:pPr algn="l">
+              <a:buFont typeface="Arial" panose="020B0604020202020204" pitchFamily="34" charset="0"/>
+              <a:buChar char="•"/>
+            </a:pPr>
+            <a:r>
+              <a:rPr lang="nl-NL" sz="1600" b="0" i="0" dirty="0" err="1">
+                <a:solidFill>
+                  <a:srgbClr val="212529"/>
+                </a:solidFill>
+                <a:effectLst/>
+                <a:latin typeface="-apple-system"/>
+              </a:rPr>
+              <a:t>ECMAScript</a:t>
+            </a:r>
+            <a:r>
+              <a:rPr lang="nl-NL" sz="1600" b="0" i="0" dirty="0">
+                <a:solidFill>
+                  <a:srgbClr val="212529"/>
+                </a:solidFill>
+                <a:effectLst/>
+                <a:latin typeface="-apple-system"/>
+              </a:rPr>
+              <a:t> 4 or ES4 .- </a:t>
+            </a:r>
+            <a:r>
+              <a:rPr lang="nl-NL" sz="1600" b="0" i="1" dirty="0" err="1">
+                <a:solidFill>
+                  <a:srgbClr val="212529"/>
+                </a:solidFill>
+                <a:effectLst/>
+                <a:latin typeface="-apple-system"/>
+              </a:rPr>
+              <a:t>Abandoned</a:t>
+            </a:r>
+            <a:r>
+              <a:rPr lang="nl-NL" sz="1600" b="0" i="0" dirty="0">
+                <a:solidFill>
+                  <a:srgbClr val="212529"/>
+                </a:solidFill>
+                <a:effectLst/>
+                <a:latin typeface="-apple-system"/>
+              </a:rPr>
+              <a:t>.</a:t>
+            </a:r>
+          </a:p>
+          <a:p>
+            <a:pPr algn="l">
+              <a:buFont typeface="Arial" panose="020B0604020202020204" pitchFamily="34" charset="0"/>
+              <a:buChar char="•"/>
+            </a:pPr>
+            <a:r>
+              <a:rPr lang="nl-NL" sz="1600" b="0" i="0" dirty="0" err="1">
+                <a:solidFill>
+                  <a:srgbClr val="212529"/>
+                </a:solidFill>
+                <a:effectLst/>
+                <a:latin typeface="-apple-system"/>
+              </a:rPr>
+              <a:t>ECMAScript</a:t>
+            </a:r>
+            <a:r>
+              <a:rPr lang="nl-NL" sz="1600" b="0" i="0" dirty="0">
+                <a:solidFill>
+                  <a:srgbClr val="212529"/>
+                </a:solidFill>
+                <a:effectLst/>
+                <a:latin typeface="-apple-system"/>
+              </a:rPr>
+              <a:t> 5 or ES5 .- </a:t>
+            </a:r>
+            <a:r>
+              <a:rPr lang="nl-NL" sz="1600" b="0" i="0" dirty="0" err="1">
+                <a:solidFill>
+                  <a:srgbClr val="212529"/>
+                </a:solidFill>
+                <a:effectLst/>
+                <a:latin typeface="-apple-system"/>
+              </a:rPr>
+              <a:t>Released</a:t>
+            </a:r>
+            <a:r>
+              <a:rPr lang="nl-NL" sz="1600" b="0" i="0" dirty="0">
+                <a:solidFill>
+                  <a:srgbClr val="212529"/>
+                </a:solidFill>
+                <a:effectLst/>
+                <a:latin typeface="-apple-system"/>
+              </a:rPr>
+              <a:t> in December 2009.</a:t>
+            </a:r>
+          </a:p>
+          <a:p>
+            <a:pPr algn="l">
+              <a:buFont typeface="Arial" panose="020B0604020202020204" pitchFamily="34" charset="0"/>
+              <a:buChar char="•"/>
+            </a:pPr>
+            <a:r>
+              <a:rPr lang="nl-NL" sz="1600" b="0" i="0" dirty="0" err="1">
+                <a:solidFill>
+                  <a:srgbClr val="212529"/>
+                </a:solidFill>
+                <a:effectLst/>
+                <a:latin typeface="-apple-system"/>
+              </a:rPr>
+              <a:t>ECMAScript</a:t>
+            </a:r>
+            <a:r>
+              <a:rPr lang="nl-NL" sz="1600" b="0" i="0" dirty="0">
+                <a:solidFill>
+                  <a:srgbClr val="212529"/>
+                </a:solidFill>
+                <a:effectLst/>
+                <a:latin typeface="-apple-system"/>
+              </a:rPr>
+              <a:t> 5.1 or ES5.1 .- </a:t>
+            </a:r>
+            <a:r>
+              <a:rPr lang="nl-NL" sz="1600" b="0" i="0" dirty="0" err="1">
+                <a:solidFill>
+                  <a:srgbClr val="212529"/>
+                </a:solidFill>
+                <a:effectLst/>
+                <a:latin typeface="-apple-system"/>
+              </a:rPr>
+              <a:t>Released</a:t>
+            </a:r>
+            <a:r>
+              <a:rPr lang="nl-NL" sz="1600" b="0" i="0" dirty="0">
+                <a:solidFill>
+                  <a:srgbClr val="212529"/>
+                </a:solidFill>
+                <a:effectLst/>
+                <a:latin typeface="-apple-system"/>
+              </a:rPr>
+              <a:t> in </a:t>
+            </a:r>
+            <a:r>
+              <a:rPr lang="nl-NL" sz="1600" b="0" i="0" dirty="0" err="1">
+                <a:solidFill>
+                  <a:srgbClr val="212529"/>
+                </a:solidFill>
+                <a:effectLst/>
+                <a:latin typeface="-apple-system"/>
+              </a:rPr>
+              <a:t>June</a:t>
+            </a:r>
+            <a:r>
+              <a:rPr lang="nl-NL" sz="1600" b="0" i="0" dirty="0">
+                <a:solidFill>
+                  <a:srgbClr val="212529"/>
+                </a:solidFill>
+                <a:effectLst/>
+                <a:latin typeface="-apple-system"/>
+              </a:rPr>
+              <a:t> 2011.</a:t>
+            </a:r>
+          </a:p>
+          <a:p>
+            <a:pPr algn="l">
+              <a:buFont typeface="Arial" panose="020B0604020202020204" pitchFamily="34" charset="0"/>
+              <a:buChar char="•"/>
+            </a:pPr>
+            <a:r>
+              <a:rPr lang="nl-NL" sz="1600" b="0" i="0" dirty="0" err="1">
+                <a:solidFill>
+                  <a:srgbClr val="212529"/>
+                </a:solidFill>
+                <a:effectLst/>
+                <a:latin typeface="-apple-system"/>
+              </a:rPr>
+              <a:t>ECMAScript</a:t>
+            </a:r>
+            <a:r>
+              <a:rPr lang="nl-NL" sz="1600" b="0" i="0" dirty="0">
+                <a:solidFill>
+                  <a:srgbClr val="212529"/>
+                </a:solidFill>
+                <a:effectLst/>
+                <a:latin typeface="-apple-system"/>
+              </a:rPr>
+              <a:t> 6 or ES6 / </a:t>
+            </a:r>
+            <a:r>
+              <a:rPr lang="nl-NL" sz="1600" b="0" i="1" dirty="0" err="1">
+                <a:solidFill>
+                  <a:srgbClr val="212529"/>
+                </a:solidFill>
+                <a:effectLst/>
+                <a:latin typeface="-apple-system"/>
+              </a:rPr>
+              <a:t>a.k.a</a:t>
+            </a:r>
+            <a:r>
+              <a:rPr lang="nl-NL" sz="1600" b="0" i="1" dirty="0">
+                <a:solidFill>
+                  <a:srgbClr val="212529"/>
+                </a:solidFill>
+                <a:effectLst/>
+                <a:latin typeface="-apple-system"/>
+              </a:rPr>
+              <a:t>.</a:t>
+            </a:r>
+            <a:r>
+              <a:rPr lang="nl-NL" sz="1600" b="0" i="0" dirty="0">
+                <a:solidFill>
+                  <a:srgbClr val="212529"/>
+                </a:solidFill>
+                <a:effectLst/>
+                <a:latin typeface="-apple-system"/>
+              </a:rPr>
+              <a:t> </a:t>
+            </a:r>
+            <a:r>
+              <a:rPr lang="nl-NL" sz="1600" b="0" i="0" dirty="0" err="1">
+                <a:solidFill>
+                  <a:srgbClr val="212529"/>
+                </a:solidFill>
+                <a:effectLst/>
+                <a:latin typeface="-apple-system"/>
+              </a:rPr>
+              <a:t>ECMAScript</a:t>
+            </a:r>
+            <a:r>
+              <a:rPr lang="nl-NL" sz="1600" b="0" i="0" dirty="0">
+                <a:solidFill>
+                  <a:srgbClr val="212529"/>
+                </a:solidFill>
+                <a:effectLst/>
+                <a:latin typeface="-apple-system"/>
+              </a:rPr>
+              <a:t> 2015 or ES2015 .- </a:t>
+            </a:r>
+            <a:r>
+              <a:rPr lang="nl-NL" sz="1600" b="0" i="0" dirty="0" err="1">
+                <a:solidFill>
+                  <a:srgbClr val="212529"/>
+                </a:solidFill>
+                <a:effectLst/>
+                <a:latin typeface="-apple-system"/>
+              </a:rPr>
+              <a:t>Released</a:t>
+            </a:r>
+            <a:r>
+              <a:rPr lang="nl-NL" sz="1600" b="0" i="0" dirty="0">
+                <a:solidFill>
+                  <a:srgbClr val="212529"/>
+                </a:solidFill>
+                <a:effectLst/>
+                <a:latin typeface="-apple-system"/>
+              </a:rPr>
+              <a:t> in </a:t>
+            </a:r>
+            <a:r>
+              <a:rPr lang="nl-NL" sz="1600" b="0" i="0" dirty="0" err="1">
+                <a:solidFill>
+                  <a:srgbClr val="212529"/>
+                </a:solidFill>
+                <a:effectLst/>
+                <a:latin typeface="-apple-system"/>
+              </a:rPr>
+              <a:t>June</a:t>
+            </a:r>
+            <a:r>
+              <a:rPr lang="nl-NL" sz="1600" b="0" i="0" dirty="0">
+                <a:solidFill>
+                  <a:srgbClr val="212529"/>
+                </a:solidFill>
+                <a:effectLst/>
+                <a:latin typeface="-apple-system"/>
+              </a:rPr>
+              <a:t> 2015.</a:t>
+            </a:r>
+          </a:p>
+          <a:p>
+            <a:pPr algn="l">
+              <a:buFont typeface="Arial" panose="020B0604020202020204" pitchFamily="34" charset="0"/>
+              <a:buChar char="•"/>
+            </a:pPr>
+            <a:r>
+              <a:rPr lang="nl-NL" sz="1600" b="0" i="0" dirty="0" err="1">
+                <a:solidFill>
+                  <a:srgbClr val="212529"/>
+                </a:solidFill>
+                <a:effectLst/>
+                <a:latin typeface="-apple-system"/>
+              </a:rPr>
+              <a:t>ECMAScript</a:t>
+            </a:r>
+            <a:r>
+              <a:rPr lang="nl-NL" sz="1600" b="0" i="0" dirty="0">
+                <a:solidFill>
+                  <a:srgbClr val="212529"/>
+                </a:solidFill>
+                <a:effectLst/>
+                <a:latin typeface="-apple-system"/>
+              </a:rPr>
+              <a:t> 7 or ES7 / </a:t>
+            </a:r>
+            <a:r>
+              <a:rPr lang="nl-NL" sz="1600" b="0" i="1" dirty="0" err="1">
+                <a:solidFill>
+                  <a:srgbClr val="212529"/>
+                </a:solidFill>
+                <a:effectLst/>
+                <a:latin typeface="-apple-system"/>
+              </a:rPr>
+              <a:t>a.k.a</a:t>
+            </a:r>
+            <a:r>
+              <a:rPr lang="nl-NL" sz="1600" b="0" i="1" dirty="0">
+                <a:solidFill>
+                  <a:srgbClr val="212529"/>
+                </a:solidFill>
+                <a:effectLst/>
+                <a:latin typeface="-apple-system"/>
+              </a:rPr>
+              <a:t>.</a:t>
+            </a:r>
+            <a:r>
+              <a:rPr lang="nl-NL" sz="1600" b="0" i="0" dirty="0">
+                <a:solidFill>
+                  <a:srgbClr val="212529"/>
+                </a:solidFill>
+                <a:effectLst/>
+                <a:latin typeface="-apple-system"/>
+              </a:rPr>
+              <a:t> </a:t>
+            </a:r>
+            <a:r>
+              <a:rPr lang="nl-NL" sz="1600" b="0" i="0" dirty="0" err="1">
+                <a:solidFill>
+                  <a:srgbClr val="212529"/>
+                </a:solidFill>
+                <a:effectLst/>
+                <a:latin typeface="-apple-system"/>
+              </a:rPr>
+              <a:t>ECMAScript</a:t>
+            </a:r>
+            <a:r>
+              <a:rPr lang="nl-NL" sz="1600" b="0" i="0" dirty="0">
+                <a:solidFill>
+                  <a:srgbClr val="212529"/>
+                </a:solidFill>
+                <a:effectLst/>
+                <a:latin typeface="-apple-system"/>
+              </a:rPr>
+              <a:t> 2016 or ES2016 .- </a:t>
+            </a:r>
+            <a:r>
+              <a:rPr lang="nl-NL" sz="1600" b="0" i="0" dirty="0" err="1">
+                <a:solidFill>
+                  <a:srgbClr val="212529"/>
+                </a:solidFill>
+                <a:effectLst/>
+                <a:latin typeface="-apple-system"/>
+              </a:rPr>
+              <a:t>Released</a:t>
+            </a:r>
+            <a:r>
+              <a:rPr lang="nl-NL" sz="1600" b="0" i="0" dirty="0">
+                <a:solidFill>
+                  <a:srgbClr val="212529"/>
+                </a:solidFill>
+                <a:effectLst/>
+                <a:latin typeface="-apple-system"/>
+              </a:rPr>
+              <a:t> in </a:t>
+            </a:r>
+            <a:r>
+              <a:rPr lang="nl-NL" sz="1600" b="0" i="0" dirty="0" err="1">
+                <a:solidFill>
+                  <a:srgbClr val="212529"/>
+                </a:solidFill>
+                <a:effectLst/>
+                <a:latin typeface="-apple-system"/>
+              </a:rPr>
+              <a:t>June</a:t>
+            </a:r>
+            <a:r>
+              <a:rPr lang="nl-NL" sz="1600" b="0" i="0" dirty="0">
+                <a:solidFill>
+                  <a:srgbClr val="212529"/>
+                </a:solidFill>
+                <a:effectLst/>
+                <a:latin typeface="-apple-system"/>
+              </a:rPr>
+              <a:t> 2016.</a:t>
+            </a:r>
+          </a:p>
+          <a:p>
+            <a:pPr algn="l">
+              <a:buFont typeface="Arial" panose="020B0604020202020204" pitchFamily="34" charset="0"/>
+              <a:buChar char="•"/>
+            </a:pPr>
+            <a:r>
+              <a:rPr lang="nl-NL" sz="1600" b="0" i="0" dirty="0" err="1">
+                <a:solidFill>
+                  <a:srgbClr val="212529"/>
+                </a:solidFill>
+                <a:effectLst/>
+                <a:latin typeface="-apple-system"/>
+              </a:rPr>
+              <a:t>ECMAScript</a:t>
+            </a:r>
+            <a:r>
+              <a:rPr lang="nl-NL" sz="1600" b="0" i="0" dirty="0">
+                <a:solidFill>
+                  <a:srgbClr val="212529"/>
+                </a:solidFill>
+                <a:effectLst/>
+                <a:latin typeface="-apple-system"/>
+              </a:rPr>
+              <a:t> 8 or ES8 / </a:t>
+            </a:r>
+            <a:r>
+              <a:rPr lang="nl-NL" sz="1600" b="0" i="1" dirty="0" err="1">
+                <a:solidFill>
+                  <a:srgbClr val="212529"/>
+                </a:solidFill>
+                <a:effectLst/>
+                <a:latin typeface="-apple-system"/>
+              </a:rPr>
+              <a:t>a.k.a</a:t>
+            </a:r>
+            <a:r>
+              <a:rPr lang="nl-NL" sz="1600" b="0" i="1" dirty="0">
+                <a:solidFill>
+                  <a:srgbClr val="212529"/>
+                </a:solidFill>
+                <a:effectLst/>
+                <a:latin typeface="-apple-system"/>
+              </a:rPr>
+              <a:t>.</a:t>
+            </a:r>
+            <a:r>
+              <a:rPr lang="nl-NL" sz="1600" b="0" i="0" dirty="0">
+                <a:solidFill>
+                  <a:srgbClr val="212529"/>
+                </a:solidFill>
+                <a:effectLst/>
+                <a:latin typeface="-apple-system"/>
+              </a:rPr>
+              <a:t> </a:t>
+            </a:r>
+            <a:r>
+              <a:rPr lang="nl-NL" sz="1600" b="0" i="0" dirty="0" err="1">
+                <a:solidFill>
+                  <a:srgbClr val="212529"/>
+                </a:solidFill>
+                <a:effectLst/>
+                <a:latin typeface="-apple-system"/>
+              </a:rPr>
+              <a:t>ECMAScript</a:t>
+            </a:r>
+            <a:r>
+              <a:rPr lang="nl-NL" sz="1600" b="0" i="0" dirty="0">
+                <a:solidFill>
+                  <a:srgbClr val="212529"/>
+                </a:solidFill>
+                <a:effectLst/>
+                <a:latin typeface="-apple-system"/>
+              </a:rPr>
+              <a:t> 2017 or ES2017 .- </a:t>
+            </a:r>
+            <a:r>
+              <a:rPr lang="nl-NL" sz="1600" b="0" i="0" dirty="0" err="1">
+                <a:solidFill>
+                  <a:srgbClr val="212529"/>
+                </a:solidFill>
+                <a:effectLst/>
+                <a:latin typeface="-apple-system"/>
+              </a:rPr>
+              <a:t>Released</a:t>
+            </a:r>
+            <a:r>
+              <a:rPr lang="nl-NL" sz="1600" b="0" i="0" dirty="0">
+                <a:solidFill>
+                  <a:srgbClr val="212529"/>
+                </a:solidFill>
+                <a:effectLst/>
+                <a:latin typeface="-apple-system"/>
+              </a:rPr>
+              <a:t> in </a:t>
+            </a:r>
+            <a:r>
+              <a:rPr lang="nl-NL" sz="1600" b="0" i="0" dirty="0" err="1">
+                <a:solidFill>
+                  <a:srgbClr val="212529"/>
+                </a:solidFill>
+                <a:effectLst/>
+                <a:latin typeface="-apple-system"/>
+              </a:rPr>
+              <a:t>June</a:t>
+            </a:r>
+            <a:r>
+              <a:rPr lang="nl-NL" sz="1600" b="0" i="0" dirty="0">
+                <a:solidFill>
+                  <a:srgbClr val="212529"/>
+                </a:solidFill>
+                <a:effectLst/>
+                <a:latin typeface="-apple-system"/>
+              </a:rPr>
+              <a:t> 2017.</a:t>
+            </a:r>
+          </a:p>
+          <a:p>
+            <a:pPr algn="l">
+              <a:buFont typeface="Arial" panose="020B0604020202020204" pitchFamily="34" charset="0"/>
+              <a:buChar char="•"/>
+            </a:pPr>
+            <a:r>
+              <a:rPr lang="nl-NL" sz="1600" b="0" i="0" dirty="0" err="1">
+                <a:solidFill>
+                  <a:srgbClr val="212529"/>
+                </a:solidFill>
+                <a:effectLst/>
+                <a:latin typeface="-apple-system"/>
+              </a:rPr>
+              <a:t>ECMAScript</a:t>
+            </a:r>
+            <a:r>
+              <a:rPr lang="nl-NL" sz="1600" b="0" i="0" dirty="0">
+                <a:solidFill>
+                  <a:srgbClr val="212529"/>
+                </a:solidFill>
+                <a:effectLst/>
+                <a:latin typeface="-apple-system"/>
+              </a:rPr>
+              <a:t> 9 or ES9 / </a:t>
+            </a:r>
+            <a:r>
+              <a:rPr lang="nl-NL" sz="1600" b="0" i="1" dirty="0" err="1">
+                <a:solidFill>
+                  <a:srgbClr val="212529"/>
+                </a:solidFill>
+                <a:effectLst/>
+                <a:latin typeface="-apple-system"/>
+              </a:rPr>
+              <a:t>a.k.a</a:t>
+            </a:r>
+            <a:r>
+              <a:rPr lang="nl-NL" sz="1600" b="0" i="1" dirty="0">
+                <a:solidFill>
+                  <a:srgbClr val="212529"/>
+                </a:solidFill>
+                <a:effectLst/>
+                <a:latin typeface="-apple-system"/>
+              </a:rPr>
+              <a:t>.</a:t>
+            </a:r>
+            <a:r>
+              <a:rPr lang="nl-NL" sz="1600" b="0" i="0" dirty="0">
+                <a:solidFill>
+                  <a:srgbClr val="212529"/>
+                </a:solidFill>
+                <a:effectLst/>
+                <a:latin typeface="-apple-system"/>
+              </a:rPr>
+              <a:t> </a:t>
+            </a:r>
+            <a:r>
+              <a:rPr lang="nl-NL" sz="1600" b="0" i="0" dirty="0" err="1">
+                <a:solidFill>
+                  <a:srgbClr val="212529"/>
+                </a:solidFill>
+                <a:effectLst/>
+                <a:latin typeface="-apple-system"/>
+              </a:rPr>
+              <a:t>ECMAScript</a:t>
+            </a:r>
+            <a:r>
+              <a:rPr lang="nl-NL" sz="1600" b="0" i="0" dirty="0">
+                <a:solidFill>
+                  <a:srgbClr val="212529"/>
+                </a:solidFill>
+                <a:effectLst/>
+                <a:latin typeface="-apple-system"/>
+              </a:rPr>
+              <a:t> 2018 or ES2018 .- </a:t>
+            </a:r>
+            <a:r>
+              <a:rPr lang="nl-NL" sz="1600" b="0" i="0" dirty="0" err="1">
+                <a:solidFill>
+                  <a:srgbClr val="212529"/>
+                </a:solidFill>
+                <a:effectLst/>
+                <a:latin typeface="-apple-system"/>
+              </a:rPr>
+              <a:t>Released</a:t>
+            </a:r>
+            <a:r>
+              <a:rPr lang="nl-NL" sz="1600" b="0" i="0" dirty="0">
+                <a:solidFill>
+                  <a:srgbClr val="212529"/>
+                </a:solidFill>
+                <a:effectLst/>
+                <a:latin typeface="-apple-system"/>
+              </a:rPr>
+              <a:t> in </a:t>
+            </a:r>
+            <a:r>
+              <a:rPr lang="nl-NL" sz="1600" b="0" i="0" dirty="0" err="1">
+                <a:solidFill>
+                  <a:srgbClr val="212529"/>
+                </a:solidFill>
+                <a:effectLst/>
+                <a:latin typeface="-apple-system"/>
+              </a:rPr>
+              <a:t>June</a:t>
+            </a:r>
+            <a:r>
+              <a:rPr lang="nl-NL" sz="1600" b="0" i="0" dirty="0">
+                <a:solidFill>
+                  <a:srgbClr val="212529"/>
+                </a:solidFill>
+                <a:effectLst/>
+                <a:latin typeface="-apple-system"/>
+              </a:rPr>
+              <a:t> 2018.</a:t>
+            </a:r>
+          </a:p>
+          <a:p>
+            <a:pPr algn="l">
+              <a:buFont typeface="Arial" panose="020B0604020202020204" pitchFamily="34" charset="0"/>
+              <a:buChar char="•"/>
+            </a:pPr>
+            <a:r>
+              <a:rPr lang="nl-NL" sz="1600" b="0" i="0" dirty="0" err="1">
+                <a:solidFill>
+                  <a:srgbClr val="212529"/>
+                </a:solidFill>
+                <a:effectLst/>
+                <a:latin typeface="-apple-system"/>
+              </a:rPr>
+              <a:t>ECMAScript</a:t>
+            </a:r>
+            <a:r>
+              <a:rPr lang="nl-NL" sz="1600" b="0" i="0" dirty="0">
+                <a:solidFill>
+                  <a:srgbClr val="212529"/>
+                </a:solidFill>
+                <a:effectLst/>
+                <a:latin typeface="-apple-system"/>
+              </a:rPr>
+              <a:t> 10 or ES10 / </a:t>
+            </a:r>
+            <a:r>
+              <a:rPr lang="nl-NL" sz="1600" b="0" i="1" dirty="0" err="1">
+                <a:solidFill>
+                  <a:srgbClr val="212529"/>
+                </a:solidFill>
+                <a:effectLst/>
+                <a:latin typeface="-apple-system"/>
+              </a:rPr>
+              <a:t>a.k.a</a:t>
+            </a:r>
+            <a:r>
+              <a:rPr lang="nl-NL" sz="1600" b="0" i="1" dirty="0">
+                <a:solidFill>
+                  <a:srgbClr val="212529"/>
+                </a:solidFill>
+                <a:effectLst/>
+                <a:latin typeface="-apple-system"/>
+              </a:rPr>
+              <a:t>.</a:t>
+            </a:r>
+            <a:r>
+              <a:rPr lang="nl-NL" sz="1600" b="0" i="0" dirty="0">
+                <a:solidFill>
+                  <a:srgbClr val="212529"/>
+                </a:solidFill>
+                <a:effectLst/>
+                <a:latin typeface="-apple-system"/>
+              </a:rPr>
+              <a:t> </a:t>
+            </a:r>
+            <a:r>
+              <a:rPr lang="nl-NL" sz="1600" b="0" i="0" dirty="0" err="1">
+                <a:solidFill>
+                  <a:srgbClr val="212529"/>
+                </a:solidFill>
+                <a:effectLst/>
+                <a:latin typeface="-apple-system"/>
+              </a:rPr>
+              <a:t>ECMAScript</a:t>
+            </a:r>
+            <a:r>
+              <a:rPr lang="nl-NL" sz="1600" b="0" i="0" dirty="0">
+                <a:solidFill>
+                  <a:srgbClr val="212529"/>
+                </a:solidFill>
+                <a:effectLst/>
+                <a:latin typeface="-apple-system"/>
+              </a:rPr>
+              <a:t> 2019 or ES2019 .- </a:t>
+            </a:r>
+            <a:r>
+              <a:rPr lang="nl-NL" sz="1600" b="0" i="0" dirty="0" err="1">
+                <a:solidFill>
+                  <a:srgbClr val="212529"/>
+                </a:solidFill>
+                <a:effectLst/>
+                <a:latin typeface="-apple-system"/>
+              </a:rPr>
+              <a:t>Released</a:t>
+            </a:r>
+            <a:r>
+              <a:rPr lang="nl-NL" sz="1600" b="0" i="0" dirty="0">
+                <a:solidFill>
+                  <a:srgbClr val="212529"/>
+                </a:solidFill>
+                <a:effectLst/>
+                <a:latin typeface="-apple-system"/>
+              </a:rPr>
+              <a:t> in </a:t>
+            </a:r>
+            <a:r>
+              <a:rPr lang="nl-NL" sz="1600" b="0" i="0" dirty="0" err="1">
+                <a:solidFill>
+                  <a:srgbClr val="212529"/>
+                </a:solidFill>
+                <a:effectLst/>
+                <a:latin typeface="-apple-system"/>
+              </a:rPr>
+              <a:t>June</a:t>
+            </a:r>
+            <a:r>
+              <a:rPr lang="nl-NL" sz="1600" b="0" i="0" dirty="0">
+                <a:solidFill>
+                  <a:srgbClr val="212529"/>
+                </a:solidFill>
+                <a:effectLst/>
+                <a:latin typeface="-apple-system"/>
+              </a:rPr>
+              <a:t> 2019.</a:t>
+            </a:r>
+          </a:p>
+          <a:p>
+            <a:pPr algn="l">
+              <a:buFont typeface="Arial" panose="020B0604020202020204" pitchFamily="34" charset="0"/>
+              <a:buChar char="•"/>
+            </a:pPr>
+            <a:r>
+              <a:rPr lang="nl-NL" sz="1600" b="0" i="0" dirty="0" err="1">
+                <a:solidFill>
+                  <a:srgbClr val="212529"/>
+                </a:solidFill>
+                <a:effectLst/>
+                <a:latin typeface="-apple-system"/>
+              </a:rPr>
+              <a:t>ECMAScript</a:t>
+            </a:r>
+            <a:r>
+              <a:rPr lang="nl-NL" sz="1600" b="0" i="0" dirty="0">
+                <a:solidFill>
+                  <a:srgbClr val="212529"/>
+                </a:solidFill>
+                <a:effectLst/>
+                <a:latin typeface="-apple-system"/>
+              </a:rPr>
+              <a:t> 11 or ES11 / </a:t>
+            </a:r>
+            <a:r>
+              <a:rPr lang="nl-NL" sz="1600" b="0" i="1" dirty="0" err="1">
+                <a:solidFill>
+                  <a:srgbClr val="212529"/>
+                </a:solidFill>
+                <a:effectLst/>
+                <a:latin typeface="-apple-system"/>
+              </a:rPr>
+              <a:t>a.k.a</a:t>
+            </a:r>
+            <a:r>
+              <a:rPr lang="nl-NL" sz="1600" b="0" i="1" dirty="0">
+                <a:solidFill>
+                  <a:srgbClr val="212529"/>
+                </a:solidFill>
+                <a:effectLst/>
+                <a:latin typeface="-apple-system"/>
+              </a:rPr>
+              <a:t>.</a:t>
+            </a:r>
+            <a:r>
+              <a:rPr lang="nl-NL" sz="1600" b="0" i="0" dirty="0">
+                <a:solidFill>
+                  <a:srgbClr val="212529"/>
+                </a:solidFill>
+                <a:effectLst/>
+                <a:latin typeface="-apple-system"/>
+              </a:rPr>
+              <a:t> </a:t>
+            </a:r>
+            <a:r>
+              <a:rPr lang="nl-NL" sz="1600" b="0" i="0" dirty="0" err="1">
+                <a:solidFill>
+                  <a:srgbClr val="212529"/>
+                </a:solidFill>
+                <a:effectLst/>
+                <a:latin typeface="-apple-system"/>
+              </a:rPr>
+              <a:t>ECMAScript</a:t>
+            </a:r>
+            <a:r>
+              <a:rPr lang="nl-NL" sz="1600" b="0" i="0" dirty="0">
+                <a:solidFill>
+                  <a:srgbClr val="212529"/>
+                </a:solidFill>
+                <a:effectLst/>
+                <a:latin typeface="-apple-system"/>
+              </a:rPr>
+              <a:t> 2020 or ES2020 .- </a:t>
+            </a:r>
+            <a:r>
+              <a:rPr lang="nl-NL" sz="1600" b="0" i="0" dirty="0" err="1">
+                <a:solidFill>
+                  <a:srgbClr val="212529"/>
+                </a:solidFill>
+                <a:effectLst/>
+                <a:latin typeface="-apple-system"/>
+              </a:rPr>
+              <a:t>Released</a:t>
+            </a:r>
+            <a:r>
+              <a:rPr lang="nl-NL" sz="1600" b="0" i="0" dirty="0">
+                <a:solidFill>
+                  <a:srgbClr val="212529"/>
+                </a:solidFill>
+                <a:effectLst/>
+                <a:latin typeface="-apple-system"/>
+              </a:rPr>
+              <a:t> in </a:t>
+            </a:r>
+            <a:r>
+              <a:rPr lang="nl-NL" sz="1600" b="0" i="0" dirty="0" err="1">
+                <a:solidFill>
+                  <a:srgbClr val="212529"/>
+                </a:solidFill>
+                <a:effectLst/>
+                <a:latin typeface="-apple-system"/>
+              </a:rPr>
+              <a:t>June</a:t>
+            </a:r>
+            <a:r>
+              <a:rPr lang="nl-NL" sz="1600" b="0" i="0" dirty="0">
+                <a:solidFill>
+                  <a:srgbClr val="212529"/>
+                </a:solidFill>
+                <a:effectLst/>
+                <a:latin typeface="-apple-system"/>
+              </a:rPr>
+              <a:t> 2020.</a:t>
+            </a:r>
+          </a:p>
+          <a:p>
+            <a:pPr algn="l">
+              <a:buFont typeface="Arial" panose="020B0604020202020204" pitchFamily="34" charset="0"/>
+              <a:buChar char="•"/>
+            </a:pPr>
+            <a:r>
+              <a:rPr lang="nl-NL" sz="1600" b="0" i="0" dirty="0" err="1">
+                <a:solidFill>
+                  <a:srgbClr val="212529"/>
+                </a:solidFill>
+                <a:effectLst/>
+                <a:latin typeface="-apple-system"/>
+              </a:rPr>
+              <a:t>ECMAScript</a:t>
+            </a:r>
+            <a:r>
+              <a:rPr lang="nl-NL" sz="1600" b="0" i="0" dirty="0">
+                <a:solidFill>
+                  <a:srgbClr val="212529"/>
+                </a:solidFill>
+                <a:effectLst/>
+                <a:latin typeface="-apple-system"/>
+              </a:rPr>
+              <a:t> 12 or ES12 / </a:t>
+            </a:r>
+            <a:r>
+              <a:rPr lang="nl-NL" sz="1600" b="0" i="1" dirty="0" err="1">
+                <a:solidFill>
+                  <a:srgbClr val="212529"/>
+                </a:solidFill>
+                <a:effectLst/>
+                <a:latin typeface="-apple-system"/>
+              </a:rPr>
+              <a:t>a.k.a</a:t>
+            </a:r>
+            <a:r>
+              <a:rPr lang="nl-NL" sz="1600" b="0" i="1" dirty="0">
+                <a:solidFill>
+                  <a:srgbClr val="212529"/>
+                </a:solidFill>
+                <a:effectLst/>
+                <a:latin typeface="-apple-system"/>
+              </a:rPr>
+              <a:t>.</a:t>
+            </a:r>
+            <a:r>
+              <a:rPr lang="nl-NL" sz="1600" b="0" i="0" dirty="0">
+                <a:solidFill>
+                  <a:srgbClr val="212529"/>
+                </a:solidFill>
+                <a:effectLst/>
+                <a:latin typeface="-apple-system"/>
+              </a:rPr>
+              <a:t> </a:t>
+            </a:r>
+            <a:r>
+              <a:rPr lang="nl-NL" sz="1600" b="0" i="0" dirty="0" err="1">
+                <a:solidFill>
+                  <a:srgbClr val="212529"/>
+                </a:solidFill>
+                <a:effectLst/>
+                <a:latin typeface="-apple-system"/>
+              </a:rPr>
+              <a:t>ECMAScript</a:t>
+            </a:r>
+            <a:r>
+              <a:rPr lang="nl-NL" sz="1600" b="0" i="0" dirty="0">
+                <a:solidFill>
+                  <a:srgbClr val="212529"/>
+                </a:solidFill>
+                <a:effectLst/>
+                <a:latin typeface="-apple-system"/>
+              </a:rPr>
+              <a:t> 2021 or ES2021 .- </a:t>
+            </a:r>
+            <a:r>
+              <a:rPr lang="nl-NL" sz="1600" b="0" i="0" dirty="0" err="1">
+                <a:solidFill>
+                  <a:srgbClr val="212529"/>
+                </a:solidFill>
+                <a:effectLst/>
+                <a:latin typeface="-apple-system"/>
+              </a:rPr>
+              <a:t>Released</a:t>
+            </a:r>
+            <a:r>
+              <a:rPr lang="nl-NL" sz="1600" b="0" i="0" dirty="0">
+                <a:solidFill>
+                  <a:srgbClr val="212529"/>
+                </a:solidFill>
+                <a:effectLst/>
+                <a:latin typeface="-apple-system"/>
+              </a:rPr>
+              <a:t> in </a:t>
+            </a:r>
+            <a:r>
+              <a:rPr lang="nl-NL" sz="1600" b="0" i="0" dirty="0" err="1">
+                <a:solidFill>
+                  <a:srgbClr val="212529"/>
+                </a:solidFill>
+                <a:effectLst/>
+                <a:latin typeface="-apple-system"/>
+              </a:rPr>
+              <a:t>June</a:t>
+            </a:r>
+            <a:r>
+              <a:rPr lang="nl-NL" sz="1600" b="0" i="0" dirty="0">
+                <a:solidFill>
+                  <a:srgbClr val="212529"/>
+                </a:solidFill>
+                <a:effectLst/>
+                <a:latin typeface="-apple-system"/>
+              </a:rPr>
+              <a:t> 2021.</a:t>
+            </a:r>
+          </a:p>
+          <a:p>
+            <a:endParaRPr lang="nl-NL" sz="1600" dirty="0"/>
+          </a:p>
+        </p:txBody>
+      </p:sp>
+    </p:spTree>
+    <p:extLst>
+      <p:ext uri="{BB962C8B-B14F-4D97-AF65-F5344CB8AC3E}">
+        <p14:creationId xmlns:p14="http://schemas.microsoft.com/office/powerpoint/2010/main" val="176231980"/>
+      </p:ext>
+    </p:extLst>
+  </p:cSld>
+  <p:clrMapOvr>
+    <a:masterClrMapping/>
+  </p:clrMapOvr>
+</p:sld>
+</file>
+
+<file path=ppt/slides/slide56.xml><?xml version="1.0" encoding="utf-8"?>
+<p:sld xmlns:a="http://schemas.openxmlformats.org/drawingml/2006/main" xmlns:r="http://schemas.openxmlformats.org/officeDocument/2006/relationships" xmlns:p="http://schemas.openxmlformats.org/presentationml/2006/main">
+  <p:cSld>
+    <p:spTree>
+      <p:nvGrpSpPr>
+        <p:cNvPr id="1" name=""/>
+        <p:cNvGrpSpPr/>
+        <p:nvPr/>
+      </p:nvGrpSpPr>
+      <p:grpSpPr>
+        <a:xfrm>
+          <a:off x="0" y="0"/>
+          <a:ext cx="0" cy="0"/>
+          <a:chOff x="0" y="0"/>
+          <a:chExt cx="0" cy="0"/>
+        </a:xfrm>
+      </p:grpSpPr>
+      <p:sp>
+        <p:nvSpPr>
+          <p:cNvPr id="2" name="Titel 1">
+            <a:extLst>
+              <a:ext uri="{FF2B5EF4-FFF2-40B4-BE49-F238E27FC236}">
+                <a16:creationId xmlns:a16="http://schemas.microsoft.com/office/drawing/2014/main" id="{8FF32E1A-DBBF-405C-9C3D-1DF1407DB75A}"/>
+              </a:ext>
+            </a:extLst>
+          </p:cNvPr>
+          <p:cNvSpPr>
+            <a:spLocks noGrp="1"/>
+          </p:cNvSpPr>
+          <p:nvPr>
+            <p:ph type="title"/>
+          </p:nvPr>
+        </p:nvSpPr>
+        <p:spPr/>
+        <p:txBody>
+          <a:bodyPr/>
+          <a:lstStyle/>
+          <a:p>
+            <a:r>
+              <a:rPr lang="nl-NL" dirty="0"/>
+              <a:t>Moderne Javascript</a:t>
+            </a:r>
+          </a:p>
+        </p:txBody>
+      </p:sp>
+      <p:sp>
+        <p:nvSpPr>
+          <p:cNvPr id="5" name="Tijdelijke aanduiding voor inhoud 4">
+            <a:extLst>
+              <a:ext uri="{FF2B5EF4-FFF2-40B4-BE49-F238E27FC236}">
+                <a16:creationId xmlns:a16="http://schemas.microsoft.com/office/drawing/2014/main" id="{58E2F029-C744-40E0-A5FA-37BD89B3C91D}"/>
+              </a:ext>
+            </a:extLst>
+          </p:cNvPr>
+          <p:cNvSpPr>
+            <a:spLocks noGrp="1"/>
+          </p:cNvSpPr>
+          <p:nvPr>
+            <p:ph idx="1"/>
+          </p:nvPr>
+        </p:nvSpPr>
+        <p:spPr/>
+        <p:txBody>
+          <a:bodyPr/>
+          <a:lstStyle/>
+          <a:p>
+            <a:r>
+              <a:rPr lang="nl-NL" b="0" i="0" dirty="0">
+                <a:solidFill>
+                  <a:srgbClr val="212529"/>
+                </a:solidFill>
+                <a:effectLst/>
+                <a:latin typeface="-apple-system"/>
+              </a:rPr>
+              <a:t>In 1995 </a:t>
+            </a:r>
+            <a:r>
+              <a:rPr lang="nl-NL" b="0" i="1" dirty="0">
+                <a:solidFill>
+                  <a:srgbClr val="212529"/>
+                </a:solidFill>
+                <a:effectLst/>
+                <a:latin typeface="-apple-system"/>
+              </a:rPr>
+              <a:t>modern</a:t>
+            </a:r>
+            <a:r>
+              <a:rPr lang="nl-NL" b="0" i="0" dirty="0">
+                <a:solidFill>
+                  <a:srgbClr val="212529"/>
+                </a:solidFill>
+                <a:effectLst/>
+                <a:latin typeface="-apple-system"/>
+              </a:rPr>
+              <a:t> was </a:t>
+            </a:r>
+            <a:r>
+              <a:rPr lang="nl-NL" b="0" i="0" dirty="0" err="1">
+                <a:solidFill>
+                  <a:srgbClr val="212529"/>
+                </a:solidFill>
+                <a:effectLst/>
+                <a:latin typeface="-apple-system"/>
+              </a:rPr>
+              <a:t>JavaScript</a:t>
+            </a:r>
+            <a:r>
+              <a:rPr lang="nl-NL" b="0" i="0" dirty="0">
+                <a:solidFill>
+                  <a:srgbClr val="212529"/>
+                </a:solidFill>
+                <a:effectLst/>
+                <a:latin typeface="-apple-system"/>
+              </a:rPr>
+              <a:t> events</a:t>
+            </a:r>
+          </a:p>
+          <a:p>
+            <a:r>
+              <a:rPr lang="nl-NL" b="0" i="0" dirty="0">
+                <a:solidFill>
+                  <a:srgbClr val="212529"/>
+                </a:solidFill>
+                <a:effectLst/>
+                <a:latin typeface="-apple-system"/>
+              </a:rPr>
+              <a:t>in 2004 </a:t>
+            </a:r>
+            <a:r>
+              <a:rPr lang="nl-NL" b="0" i="1" dirty="0">
+                <a:solidFill>
+                  <a:srgbClr val="212529"/>
+                </a:solidFill>
+                <a:effectLst/>
+                <a:latin typeface="-apple-system"/>
+              </a:rPr>
+              <a:t>modern</a:t>
+            </a:r>
+            <a:r>
+              <a:rPr lang="nl-NL" b="0" i="0" dirty="0">
+                <a:solidFill>
+                  <a:srgbClr val="212529"/>
+                </a:solidFill>
+                <a:effectLst/>
+                <a:latin typeface="-apple-system"/>
+              </a:rPr>
+              <a:t> was AJAX</a:t>
+            </a:r>
+          </a:p>
+          <a:p>
+            <a:r>
+              <a:rPr lang="nl-NL" b="0" i="0" dirty="0">
+                <a:solidFill>
+                  <a:srgbClr val="212529"/>
+                </a:solidFill>
+                <a:effectLst/>
+                <a:latin typeface="-apple-system"/>
+              </a:rPr>
+              <a:t>in 2006 </a:t>
+            </a:r>
+            <a:r>
+              <a:rPr lang="nl-NL" b="0" i="1" dirty="0">
+                <a:solidFill>
+                  <a:srgbClr val="212529"/>
+                </a:solidFill>
+                <a:effectLst/>
+                <a:latin typeface="-apple-system"/>
+              </a:rPr>
+              <a:t>modern</a:t>
+            </a:r>
+            <a:r>
+              <a:rPr lang="nl-NL" b="0" i="0" dirty="0">
+                <a:solidFill>
+                  <a:srgbClr val="212529"/>
+                </a:solidFill>
+                <a:effectLst/>
+                <a:latin typeface="-apple-system"/>
+              </a:rPr>
+              <a:t> was </a:t>
+            </a:r>
+            <a:r>
+              <a:rPr lang="nl-NL" b="0" i="0" dirty="0" err="1">
+                <a:solidFill>
+                  <a:srgbClr val="212529"/>
+                </a:solidFill>
+                <a:effectLst/>
+                <a:latin typeface="-apple-system"/>
+              </a:rPr>
+              <a:t>jQuery</a:t>
+            </a:r>
+            <a:endParaRPr lang="nl-NL" dirty="0">
+              <a:solidFill>
+                <a:srgbClr val="212529"/>
+              </a:solidFill>
+              <a:latin typeface="-apple-system"/>
+            </a:endParaRPr>
+          </a:p>
+          <a:p>
+            <a:r>
+              <a:rPr lang="nl-NL" b="0" i="0" dirty="0">
+                <a:solidFill>
+                  <a:srgbClr val="212529"/>
+                </a:solidFill>
+                <a:effectLst/>
+                <a:latin typeface="-apple-system"/>
+              </a:rPr>
+              <a:t>in 2010 </a:t>
+            </a:r>
+            <a:r>
+              <a:rPr lang="nl-NL" b="0" i="1" dirty="0">
+                <a:solidFill>
+                  <a:srgbClr val="212529"/>
+                </a:solidFill>
+                <a:effectLst/>
+                <a:latin typeface="-apple-system"/>
+              </a:rPr>
+              <a:t>modern</a:t>
+            </a:r>
+            <a:r>
+              <a:rPr lang="nl-NL" b="0" i="0" dirty="0">
+                <a:solidFill>
+                  <a:srgbClr val="212529"/>
+                </a:solidFill>
+                <a:effectLst/>
+                <a:latin typeface="-apple-system"/>
+              </a:rPr>
+              <a:t> was </a:t>
+            </a:r>
+            <a:r>
+              <a:rPr lang="nl-NL" b="0" i="0" dirty="0" err="1">
+                <a:solidFill>
+                  <a:srgbClr val="212529"/>
+                </a:solidFill>
+                <a:effectLst/>
+                <a:latin typeface="-apple-system"/>
+              </a:rPr>
+              <a:t>Angular</a:t>
+            </a:r>
+            <a:r>
+              <a:rPr lang="nl-NL" b="0" i="0" dirty="0">
+                <a:solidFill>
+                  <a:srgbClr val="212529"/>
+                </a:solidFill>
+                <a:effectLst/>
+                <a:latin typeface="-apple-system"/>
+              </a:rPr>
+              <a:t> 1</a:t>
+            </a:r>
+          </a:p>
+          <a:p>
+            <a:r>
+              <a:rPr lang="nl-NL" b="0" i="0" dirty="0">
+                <a:solidFill>
+                  <a:srgbClr val="212529"/>
+                </a:solidFill>
+                <a:effectLst/>
+                <a:latin typeface="-apple-system"/>
+              </a:rPr>
+              <a:t>in 2012 </a:t>
+            </a:r>
+            <a:r>
+              <a:rPr lang="nl-NL" b="0" i="1" dirty="0">
+                <a:solidFill>
+                  <a:srgbClr val="212529"/>
+                </a:solidFill>
+                <a:effectLst/>
+                <a:latin typeface="-apple-system"/>
+              </a:rPr>
+              <a:t>modern</a:t>
+            </a:r>
+            <a:r>
+              <a:rPr lang="nl-NL" b="0" i="0" dirty="0">
+                <a:solidFill>
+                  <a:srgbClr val="212529"/>
+                </a:solidFill>
+                <a:effectLst/>
+                <a:latin typeface="-apple-system"/>
+              </a:rPr>
+              <a:t> was Node JS</a:t>
+            </a:r>
+          </a:p>
+          <a:p>
+            <a:r>
+              <a:rPr lang="nl-NL" b="0" i="0" dirty="0">
+                <a:solidFill>
+                  <a:srgbClr val="212529"/>
+                </a:solidFill>
+                <a:effectLst/>
+                <a:latin typeface="-apple-system"/>
+              </a:rPr>
+              <a:t>in 2014 </a:t>
+            </a:r>
+            <a:r>
+              <a:rPr lang="nl-NL" b="0" i="1" dirty="0">
+                <a:solidFill>
+                  <a:srgbClr val="212529"/>
+                </a:solidFill>
+                <a:effectLst/>
+                <a:latin typeface="-apple-system"/>
+              </a:rPr>
+              <a:t>modern</a:t>
+            </a:r>
+            <a:r>
+              <a:rPr lang="nl-NL" b="0" i="0" dirty="0">
+                <a:solidFill>
+                  <a:srgbClr val="212529"/>
+                </a:solidFill>
+                <a:effectLst/>
+                <a:latin typeface="-apple-system"/>
+              </a:rPr>
+              <a:t> was </a:t>
+            </a:r>
+            <a:r>
+              <a:rPr lang="nl-NL" b="0" i="0" dirty="0" err="1">
+                <a:solidFill>
+                  <a:srgbClr val="212529"/>
+                </a:solidFill>
+                <a:effectLst/>
+                <a:latin typeface="-apple-system"/>
+              </a:rPr>
+              <a:t>React</a:t>
+            </a:r>
+            <a:endParaRPr lang="nl-NL" dirty="0">
+              <a:solidFill>
+                <a:srgbClr val="212529"/>
+              </a:solidFill>
+              <a:latin typeface="-apple-system"/>
+            </a:endParaRPr>
+          </a:p>
+          <a:p>
+            <a:r>
+              <a:rPr lang="nl-NL" b="0" i="0" dirty="0">
+                <a:solidFill>
+                  <a:srgbClr val="212529"/>
+                </a:solidFill>
+                <a:effectLst/>
+                <a:latin typeface="-apple-system"/>
+              </a:rPr>
+              <a:t>in 2016 </a:t>
+            </a:r>
+            <a:r>
+              <a:rPr lang="nl-NL" b="0" i="1" dirty="0">
+                <a:solidFill>
+                  <a:srgbClr val="212529"/>
+                </a:solidFill>
+                <a:effectLst/>
+                <a:latin typeface="-apple-system"/>
+              </a:rPr>
+              <a:t>modern</a:t>
+            </a:r>
+            <a:r>
+              <a:rPr lang="nl-NL" b="0" i="0" dirty="0">
+                <a:solidFill>
+                  <a:srgbClr val="212529"/>
+                </a:solidFill>
+                <a:effectLst/>
+                <a:latin typeface="-apple-system"/>
+              </a:rPr>
+              <a:t> was </a:t>
+            </a:r>
+            <a:r>
+              <a:rPr lang="nl-NL" b="0" i="0" dirty="0" err="1">
+                <a:solidFill>
+                  <a:srgbClr val="212529"/>
+                </a:solidFill>
+                <a:effectLst/>
+                <a:latin typeface="-apple-system"/>
+              </a:rPr>
+              <a:t>Angular</a:t>
+            </a:r>
+            <a:r>
+              <a:rPr lang="nl-NL" b="0" i="0" dirty="0">
+                <a:solidFill>
+                  <a:srgbClr val="212529"/>
+                </a:solidFill>
+                <a:effectLst/>
+                <a:latin typeface="-apple-system"/>
+              </a:rPr>
+              <a:t> 2</a:t>
+            </a:r>
+          </a:p>
+          <a:p>
+            <a:r>
+              <a:rPr lang="nl-NL" b="0" i="0" dirty="0">
+                <a:solidFill>
+                  <a:srgbClr val="212529"/>
+                </a:solidFill>
+                <a:effectLst/>
+                <a:latin typeface="-apple-system"/>
+              </a:rPr>
+              <a:t>in 2019 </a:t>
+            </a:r>
+            <a:r>
+              <a:rPr lang="nl-NL" b="0" i="1" dirty="0">
+                <a:solidFill>
+                  <a:srgbClr val="212529"/>
+                </a:solidFill>
+                <a:effectLst/>
+                <a:latin typeface="-apple-system"/>
+              </a:rPr>
+              <a:t>modern</a:t>
+            </a:r>
+            <a:r>
+              <a:rPr lang="nl-NL" b="0" i="0" dirty="0">
+                <a:solidFill>
+                  <a:srgbClr val="212529"/>
+                </a:solidFill>
+                <a:effectLst/>
+                <a:latin typeface="-apple-system"/>
+              </a:rPr>
+              <a:t> was </a:t>
+            </a:r>
+            <a:r>
+              <a:rPr lang="nl-NL" b="0" i="0" dirty="0" err="1">
+                <a:solidFill>
+                  <a:srgbClr val="212529"/>
+                </a:solidFill>
+                <a:effectLst/>
+                <a:latin typeface="-apple-system"/>
+              </a:rPr>
+              <a:t>the</a:t>
+            </a:r>
+            <a:r>
+              <a:rPr lang="nl-NL" b="0" i="0" dirty="0">
+                <a:solidFill>
+                  <a:srgbClr val="212529"/>
+                </a:solidFill>
+                <a:effectLst/>
+                <a:latin typeface="-apple-system"/>
+              </a:rPr>
+              <a:t> </a:t>
+            </a:r>
+            <a:r>
+              <a:rPr lang="nl-NL" b="0" i="0" dirty="0" err="1">
+                <a:solidFill>
+                  <a:srgbClr val="212529"/>
+                </a:solidFill>
+                <a:effectLst/>
+                <a:latin typeface="-apple-system"/>
+              </a:rPr>
+              <a:t>Deno</a:t>
+            </a:r>
+            <a:r>
+              <a:rPr lang="nl-NL" b="0" i="0" dirty="0">
+                <a:solidFill>
+                  <a:srgbClr val="212529"/>
+                </a:solidFill>
+                <a:effectLst/>
+                <a:latin typeface="-apple-system"/>
+              </a:rPr>
+              <a:t> </a:t>
+            </a:r>
+            <a:r>
+              <a:rPr lang="nl-NL" b="0" i="0" dirty="0" err="1">
+                <a:solidFill>
+                  <a:srgbClr val="212529"/>
+                </a:solidFill>
+                <a:effectLst/>
+                <a:latin typeface="-apple-system"/>
+              </a:rPr>
+              <a:t>runtime</a:t>
+            </a:r>
+            <a:endParaRPr lang="nl-NL" dirty="0"/>
+          </a:p>
+        </p:txBody>
+      </p:sp>
+      <p:sp>
+        <p:nvSpPr>
+          <p:cNvPr id="9" name="Tekstvak 8">
+            <a:extLst>
+              <a:ext uri="{FF2B5EF4-FFF2-40B4-BE49-F238E27FC236}">
+                <a16:creationId xmlns:a16="http://schemas.microsoft.com/office/drawing/2014/main" id="{E5F8FBAB-1150-4DAA-ACFD-7140431925AD}"/>
+              </a:ext>
+            </a:extLst>
+          </p:cNvPr>
+          <p:cNvSpPr txBox="1"/>
+          <p:nvPr/>
+        </p:nvSpPr>
+        <p:spPr>
+          <a:xfrm>
+            <a:off x="278130" y="6308209"/>
+            <a:ext cx="6930390" cy="369332"/>
+          </a:xfrm>
+          <a:prstGeom prst="rect">
+            <a:avLst/>
+          </a:prstGeom>
+          <a:noFill/>
+        </p:spPr>
+        <p:txBody>
+          <a:bodyPr wrap="square">
+            <a:spAutoFit/>
+          </a:bodyPr>
+          <a:lstStyle/>
+          <a:p>
+            <a:r>
+              <a:rPr lang="en-US" dirty="0">
+                <a:hlinkClick r:id="rId2"/>
+              </a:rPr>
+              <a:t>Modern JavaScript - A guide to help you learn JavaScript | Modern JS</a:t>
+            </a:r>
+            <a:endParaRPr lang="nl-NL" dirty="0"/>
+          </a:p>
+        </p:txBody>
+      </p:sp>
+    </p:spTree>
+    <p:extLst>
+      <p:ext uri="{BB962C8B-B14F-4D97-AF65-F5344CB8AC3E}">
+        <p14:creationId xmlns:p14="http://schemas.microsoft.com/office/powerpoint/2010/main" val="1530418912"/>
+      </p:ext>
+    </p:extLst>
+  </p:cSld>
+  <p:clrMapOvr>
+    <a:masterClrMapping/>
+  </p:clrMapOvr>
+</p:sld>
+</file>
+
+<file path=ppt/slides/slide57.xml><?xml version="1.0" encoding="utf-8"?>
+<p:sld xmlns:a="http://schemas.openxmlformats.org/drawingml/2006/main" xmlns:r="http://schemas.openxmlformats.org/officeDocument/2006/relationships" xmlns:p="http://schemas.openxmlformats.org/presentationml/2006/main">
+  <p:cSld>
+    <p:spTree>
+      <p:nvGrpSpPr>
+        <p:cNvPr id="1" name=""/>
+        <p:cNvGrpSpPr/>
+        <p:nvPr/>
+      </p:nvGrpSpPr>
+      <p:grpSpPr>
+        <a:xfrm>
+          <a:off x="0" y="0"/>
+          <a:ext cx="0" cy="0"/>
+          <a:chOff x="0" y="0"/>
+          <a:chExt cx="0" cy="0"/>
+        </a:xfrm>
+      </p:grpSpPr>
+      <p:sp>
+        <p:nvSpPr>
+          <p:cNvPr id="5" name="Titel 4">
+            <a:extLst>
+              <a:ext uri="{FF2B5EF4-FFF2-40B4-BE49-F238E27FC236}">
+                <a16:creationId xmlns:a16="http://schemas.microsoft.com/office/drawing/2014/main" id="{69AD64BD-B0E4-4BC7-91DE-CCD914FE5216}"/>
+              </a:ext>
+            </a:extLst>
+          </p:cNvPr>
+          <p:cNvSpPr>
+            <a:spLocks noGrp="1"/>
+          </p:cNvSpPr>
+          <p:nvPr>
+            <p:ph type="title"/>
+          </p:nvPr>
+        </p:nvSpPr>
+        <p:spPr/>
+        <p:txBody>
+          <a:bodyPr/>
+          <a:lstStyle/>
+          <a:p>
+            <a:r>
+              <a:rPr lang="nl-NL" dirty="0"/>
+              <a:t>ES6</a:t>
+            </a:r>
+          </a:p>
+        </p:txBody>
+      </p:sp>
+      <p:sp>
+        <p:nvSpPr>
+          <p:cNvPr id="6" name="Tijdelijke aanduiding voor inhoud 5">
+            <a:extLst>
+              <a:ext uri="{FF2B5EF4-FFF2-40B4-BE49-F238E27FC236}">
+                <a16:creationId xmlns:a16="http://schemas.microsoft.com/office/drawing/2014/main" id="{560F17CA-00D1-4AFA-8AE9-98483CDB1AE5}"/>
+              </a:ext>
+            </a:extLst>
+          </p:cNvPr>
+          <p:cNvSpPr>
+            <a:spLocks noGrp="1"/>
+          </p:cNvSpPr>
+          <p:nvPr>
+            <p:ph idx="1"/>
+          </p:nvPr>
+        </p:nvSpPr>
+        <p:spPr/>
+        <p:txBody>
+          <a:bodyPr/>
+          <a:lstStyle/>
+          <a:p>
+            <a:r>
+              <a:rPr lang="nl-NL" dirty="0"/>
+              <a:t>let &amp; </a:t>
+            </a:r>
+            <a:r>
+              <a:rPr lang="nl-NL" dirty="0" err="1"/>
+              <a:t>const</a:t>
+            </a:r>
+            <a:endParaRPr lang="nl-NL" dirty="0"/>
+          </a:p>
+          <a:p>
+            <a:r>
+              <a:rPr lang="nl-NL" dirty="0" err="1"/>
+              <a:t>Promises</a:t>
+            </a:r>
+            <a:r>
+              <a:rPr lang="nl-NL" dirty="0"/>
+              <a:t> (</a:t>
+            </a:r>
+            <a:r>
+              <a:rPr lang="nl-NL" dirty="0" err="1"/>
+              <a:t>with</a:t>
+            </a:r>
+            <a:r>
+              <a:rPr lang="nl-NL" dirty="0"/>
+              <a:t> </a:t>
+            </a:r>
+            <a:r>
+              <a:rPr lang="nl-NL" i="0" dirty="0" err="1">
+                <a:effectLst/>
+                <a:latin typeface="-apple-system"/>
+              </a:rPr>
+              <a:t>arrow</a:t>
+            </a:r>
+            <a:r>
+              <a:rPr lang="nl-NL" i="0" dirty="0">
+                <a:effectLst/>
+                <a:latin typeface="-apple-system"/>
+              </a:rPr>
+              <a:t> </a:t>
+            </a:r>
+            <a:r>
+              <a:rPr lang="nl-NL" i="0" dirty="0" err="1">
+                <a:effectLst/>
+                <a:latin typeface="-apple-system"/>
+              </a:rPr>
+              <a:t>functions</a:t>
+            </a:r>
+            <a:r>
+              <a:rPr lang="nl-NL" i="0" dirty="0">
+                <a:effectLst/>
+                <a:latin typeface="-apple-system"/>
+              </a:rPr>
+              <a:t>)</a:t>
+            </a:r>
+          </a:p>
+          <a:p>
+            <a:r>
+              <a:rPr lang="nl-NL" dirty="0"/>
+              <a:t>Modules</a:t>
+            </a:r>
+          </a:p>
+          <a:p>
+            <a:r>
+              <a:rPr lang="nl-NL" dirty="0">
+                <a:solidFill>
+                  <a:srgbClr val="0A0A23"/>
+                </a:solidFill>
+                <a:latin typeface="Lato" panose="020B0604020202020204" pitchFamily="34" charset="0"/>
+              </a:rPr>
+              <a:t>D</a:t>
+            </a:r>
+            <a:r>
+              <a:rPr lang="nl-NL" b="0" i="0" dirty="0">
+                <a:solidFill>
+                  <a:srgbClr val="0A0A23"/>
+                </a:solidFill>
+                <a:effectLst/>
+                <a:latin typeface="Lato" panose="020B0604020202020204" pitchFamily="34" charset="0"/>
+              </a:rPr>
+              <a:t>efault parameters </a:t>
+            </a:r>
+            <a:endParaRPr lang="nl-NL" dirty="0"/>
+          </a:p>
+        </p:txBody>
+      </p:sp>
+      <p:sp>
+        <p:nvSpPr>
+          <p:cNvPr id="8" name="Tekstvak 7">
+            <a:extLst>
+              <a:ext uri="{FF2B5EF4-FFF2-40B4-BE49-F238E27FC236}">
+                <a16:creationId xmlns:a16="http://schemas.microsoft.com/office/drawing/2014/main" id="{6530B593-0487-4B69-B92F-191B13F04A2D}"/>
+              </a:ext>
+            </a:extLst>
+          </p:cNvPr>
+          <p:cNvSpPr txBox="1"/>
+          <p:nvPr/>
+        </p:nvSpPr>
+        <p:spPr>
+          <a:xfrm>
+            <a:off x="182880" y="6308209"/>
+            <a:ext cx="11033760" cy="369332"/>
+          </a:xfrm>
+          <a:prstGeom prst="rect">
+            <a:avLst/>
+          </a:prstGeom>
+          <a:noFill/>
+        </p:spPr>
+        <p:txBody>
+          <a:bodyPr wrap="square">
+            <a:spAutoFit/>
+          </a:bodyPr>
+          <a:lstStyle/>
+          <a:p>
+            <a:r>
+              <a:rPr lang="en-US" dirty="0">
+                <a:hlinkClick r:id="rId2"/>
+              </a:rPr>
+              <a:t>Modern JavaScript – Imports, Exports, Let, Const, and Promises in ES6+</a:t>
+            </a:r>
+            <a:endParaRPr lang="nl-NL" dirty="0"/>
+          </a:p>
+        </p:txBody>
+      </p:sp>
+    </p:spTree>
+    <p:extLst>
+      <p:ext uri="{BB962C8B-B14F-4D97-AF65-F5344CB8AC3E}">
+        <p14:creationId xmlns:p14="http://schemas.microsoft.com/office/powerpoint/2010/main" val="1580819362"/>
+      </p:ext>
+    </p:extLst>
+  </p:cSld>
+  <p:clrMapOvr>
+    <a:masterClrMapping/>
+  </p:clrMapOvr>
+</p:sld>
+</file>
+
+<file path=ppt/slides/slide58.xml><?xml version="1.0" encoding="utf-8"?>
+<p:sld xmlns:a="http://schemas.openxmlformats.org/drawingml/2006/main" xmlns:r="http://schemas.openxmlformats.org/officeDocument/2006/relationships" xmlns:p="http://schemas.openxmlformats.org/presentationml/2006/main">
+  <p:cSld>
+    <p:spTree>
+      <p:nvGrpSpPr>
+        <p:cNvPr id="1" name=""/>
+        <p:cNvGrpSpPr/>
+        <p:nvPr/>
+      </p:nvGrpSpPr>
+      <p:grpSpPr>
+        <a:xfrm>
+          <a:off x="0" y="0"/>
+          <a:ext cx="0" cy="0"/>
+          <a:chOff x="0" y="0"/>
+          <a:chExt cx="0" cy="0"/>
+        </a:xfrm>
+      </p:grpSpPr>
+      <p:sp>
+        <p:nvSpPr>
+          <p:cNvPr id="2" name="Titel 1">
+            <a:extLst>
+              <a:ext uri="{FF2B5EF4-FFF2-40B4-BE49-F238E27FC236}">
+                <a16:creationId xmlns:a16="http://schemas.microsoft.com/office/drawing/2014/main" id="{E73137D0-AE7F-4366-BB28-140853C020B4}"/>
+              </a:ext>
+            </a:extLst>
+          </p:cNvPr>
+          <p:cNvSpPr>
+            <a:spLocks noGrp="1"/>
+          </p:cNvSpPr>
+          <p:nvPr>
+            <p:ph type="title"/>
+          </p:nvPr>
+        </p:nvSpPr>
+        <p:spPr/>
+        <p:txBody>
+          <a:bodyPr/>
+          <a:lstStyle/>
+          <a:p>
+            <a:r>
+              <a:rPr lang="nl-NL" dirty="0" err="1"/>
+              <a:t>TypeScript</a:t>
+            </a:r>
+            <a:endParaRPr lang="nl-NL" dirty="0"/>
+          </a:p>
+        </p:txBody>
+      </p:sp>
+      <p:sp>
+        <p:nvSpPr>
+          <p:cNvPr id="5" name="Tijdelijke aanduiding voor inhoud 4">
+            <a:extLst>
+              <a:ext uri="{FF2B5EF4-FFF2-40B4-BE49-F238E27FC236}">
+                <a16:creationId xmlns:a16="http://schemas.microsoft.com/office/drawing/2014/main" id="{D14ECE90-D528-41F5-8770-67BADFAA1566}"/>
+              </a:ext>
+            </a:extLst>
+          </p:cNvPr>
+          <p:cNvSpPr>
+            <a:spLocks noGrp="1"/>
+          </p:cNvSpPr>
+          <p:nvPr>
+            <p:ph idx="1"/>
+          </p:nvPr>
+        </p:nvSpPr>
+        <p:spPr>
+          <a:xfrm>
+            <a:off x="628650" y="1690689"/>
+            <a:ext cx="8347710" cy="4032380"/>
+          </a:xfrm>
+        </p:spPr>
+        <p:txBody>
+          <a:bodyPr/>
+          <a:lstStyle/>
+          <a:p>
+            <a:r>
+              <a:rPr lang="en-US" b="0" i="0" dirty="0">
+                <a:solidFill>
+                  <a:srgbClr val="212529"/>
+                </a:solidFill>
+                <a:effectLst/>
+                <a:latin typeface="-apple-system"/>
+              </a:rPr>
+              <a:t>The JavaScript that should have been</a:t>
+            </a:r>
+          </a:p>
+          <a:p>
+            <a:r>
+              <a:rPr lang="en-US" b="0" i="0" dirty="0">
+                <a:solidFill>
+                  <a:srgbClr val="212529"/>
+                </a:solidFill>
+                <a:effectLst/>
+                <a:latin typeface="-apple-system"/>
+              </a:rPr>
+              <a:t>Microsoft introduced TypeScript in October 2012</a:t>
+            </a:r>
+          </a:p>
+          <a:p>
+            <a:r>
+              <a:rPr lang="en-US" b="0" i="0" dirty="0">
+                <a:solidFill>
+                  <a:srgbClr val="212529"/>
+                </a:solidFill>
+                <a:effectLst/>
+                <a:latin typeface="-apple-system"/>
+              </a:rPr>
+              <a:t>TypeScript is a JavaScript superset</a:t>
+            </a:r>
+            <a:endParaRPr lang="en-US" dirty="0">
+              <a:solidFill>
+                <a:srgbClr val="212529"/>
+              </a:solidFill>
+              <a:latin typeface="-apple-system"/>
+            </a:endParaRPr>
+          </a:p>
+          <a:p>
+            <a:pPr lvl="1"/>
+            <a:r>
+              <a:rPr lang="en-US" sz="1800" b="0" i="0" dirty="0">
+                <a:solidFill>
+                  <a:srgbClr val="212529"/>
+                </a:solidFill>
+                <a:effectLst/>
+                <a:latin typeface="-apple-system"/>
+              </a:rPr>
+              <a:t>all JavaScript </a:t>
+            </a:r>
+            <a:r>
+              <a:rPr lang="en-US" sz="1800" b="0" i="1" dirty="0">
+                <a:solidFill>
+                  <a:srgbClr val="212529"/>
+                </a:solidFill>
+                <a:effectLst/>
+                <a:latin typeface="-apple-system"/>
+              </a:rPr>
+              <a:t>is</a:t>
+            </a:r>
+            <a:r>
+              <a:rPr lang="en-US" sz="1800" b="0" i="0" dirty="0">
+                <a:solidFill>
+                  <a:srgbClr val="212529"/>
+                </a:solidFill>
+                <a:effectLst/>
+                <a:latin typeface="-apple-system"/>
+              </a:rPr>
+              <a:t> TypeScript</a:t>
+            </a:r>
+          </a:p>
+          <a:p>
+            <a:pPr lvl="1"/>
+            <a:r>
+              <a:rPr lang="en-US" sz="1800" b="0" i="0" dirty="0">
+                <a:solidFill>
+                  <a:srgbClr val="212529"/>
+                </a:solidFill>
+                <a:effectLst/>
+                <a:latin typeface="-apple-system"/>
+              </a:rPr>
+              <a:t>it also means all TypeScript can be converted (</a:t>
+            </a:r>
+            <a:r>
+              <a:rPr lang="en-US" sz="1800" b="0" i="0" dirty="0" err="1">
+                <a:solidFill>
+                  <a:srgbClr val="212529"/>
+                </a:solidFill>
+                <a:effectLst/>
+                <a:latin typeface="-apple-system"/>
+              </a:rPr>
+              <a:t>transpiled</a:t>
+            </a:r>
+            <a:r>
+              <a:rPr lang="en-US" sz="1800" b="0" i="0" dirty="0">
+                <a:solidFill>
+                  <a:srgbClr val="212529"/>
+                </a:solidFill>
+                <a:effectLst/>
+                <a:latin typeface="-apple-system"/>
+              </a:rPr>
+              <a:t>)  into JavaScript</a:t>
+            </a:r>
+          </a:p>
+          <a:p>
+            <a:r>
+              <a:rPr lang="en-US" b="0" i="0" dirty="0">
+                <a:solidFill>
+                  <a:srgbClr val="212529"/>
+                </a:solidFill>
+                <a:effectLst/>
+                <a:latin typeface="-apple-system"/>
+              </a:rPr>
+              <a:t>TypeScript's purpose from the outset has been to provide a solid programming language foundation -- similar to other enterprise grade languages like C# and Java</a:t>
+            </a:r>
+          </a:p>
+          <a:p>
+            <a:r>
+              <a:rPr lang="en-US" b="0" i="0" dirty="0">
+                <a:solidFill>
+                  <a:srgbClr val="212529"/>
+                </a:solidFill>
+                <a:effectLst/>
+                <a:latin typeface="-apple-system"/>
+              </a:rPr>
+              <a:t>TypeScript versions: V.1, V.2, V.3 &amp; V.4</a:t>
+            </a:r>
+            <a:endParaRPr lang="nl-NL" dirty="0"/>
+          </a:p>
+        </p:txBody>
+      </p:sp>
+      <p:sp>
+        <p:nvSpPr>
+          <p:cNvPr id="7" name="Tekstvak 6">
+            <a:extLst>
+              <a:ext uri="{FF2B5EF4-FFF2-40B4-BE49-F238E27FC236}">
+                <a16:creationId xmlns:a16="http://schemas.microsoft.com/office/drawing/2014/main" id="{54CA41C6-ECD4-476F-B58B-C44C23750142}"/>
+              </a:ext>
+            </a:extLst>
+          </p:cNvPr>
+          <p:cNvSpPr txBox="1"/>
+          <p:nvPr/>
+        </p:nvSpPr>
+        <p:spPr>
+          <a:xfrm>
+            <a:off x="259080" y="6308209"/>
+            <a:ext cx="7101840" cy="369332"/>
+          </a:xfrm>
+          <a:prstGeom prst="rect">
+            <a:avLst/>
+          </a:prstGeom>
+          <a:noFill/>
+        </p:spPr>
+        <p:txBody>
+          <a:bodyPr wrap="square">
+            <a:spAutoFit/>
+          </a:bodyPr>
+          <a:lstStyle/>
+          <a:p>
+            <a:r>
+              <a:rPr lang="nl-NL" dirty="0" err="1">
+                <a:hlinkClick r:id="rId2"/>
+              </a:rPr>
+              <a:t>TypeScript</a:t>
+            </a:r>
+            <a:r>
+              <a:rPr lang="nl-NL" dirty="0">
+                <a:hlinkClick r:id="rId2"/>
+              </a:rPr>
+              <a:t>: </a:t>
+            </a:r>
+            <a:r>
+              <a:rPr lang="nl-NL" dirty="0" err="1">
+                <a:hlinkClick r:id="rId2"/>
+              </a:rPr>
+              <a:t>JavaScript</a:t>
+            </a:r>
+            <a:r>
+              <a:rPr lang="nl-NL" dirty="0">
+                <a:hlinkClick r:id="rId2"/>
+              </a:rPr>
+              <a:t> </a:t>
+            </a:r>
+            <a:r>
+              <a:rPr lang="nl-NL" dirty="0" err="1">
+                <a:hlinkClick r:id="rId2"/>
+              </a:rPr>
+              <a:t>With</a:t>
+            </a:r>
+            <a:r>
+              <a:rPr lang="nl-NL" dirty="0">
+                <a:hlinkClick r:id="rId2"/>
+              </a:rPr>
+              <a:t> Syntax For Types. (typescriptlang.org)</a:t>
+            </a:r>
+            <a:endParaRPr lang="nl-NL" dirty="0"/>
+          </a:p>
+        </p:txBody>
+      </p:sp>
+    </p:spTree>
+    <p:extLst>
+      <p:ext uri="{BB962C8B-B14F-4D97-AF65-F5344CB8AC3E}">
+        <p14:creationId xmlns:p14="http://schemas.microsoft.com/office/powerpoint/2010/main" val="1569688251"/>
       </p:ext>
     </p:extLst>
   </p:cSld>
